--- a/CS5100_Project_Presentation.pptx
+++ b/CS5100_Project_Presentation.pptx
@@ -1302,7 +1302,7 @@
   <p:cSld>
     <p:spTree>
       <p:nvGrpSpPr>
-        <p:cNvPr id="263" name="Shape 263"/>
+        <p:cNvPr id="271" name="Shape 271"/>
         <p:cNvGrpSpPr/>
         <p:nvPr/>
       </p:nvGrpSpPr>
@@ -1316,7 +1316,7 @@
       </p:grpSpPr>
       <p:sp>
         <p:nvSpPr>
-          <p:cNvPr id="264" name="Google Shape;264;g103e3c9fe44_0_443:notes"/>
+          <p:cNvPr id="272" name="Google Shape;272;g103e3c9fe44_0_443:notes"/>
           <p:cNvSpPr/>
           <p:nvPr>
             <p:ph idx="2" type="sldImg"/>
@@ -1351,7 +1351,7 @@
       </p:sp>
       <p:sp>
         <p:nvSpPr>
-          <p:cNvPr id="265" name="Google Shape;265;g103e3c9fe44_0_443:notes"/>
+          <p:cNvPr id="273" name="Google Shape;273;g103e3c9fe44_0_443:notes"/>
           <p:cNvSpPr txBox="1"/>
           <p:nvPr>
             <p:ph idx="1" type="body"/>
@@ -1401,7 +1401,7 @@
   <p:cSld>
     <p:spTree>
       <p:nvGrpSpPr>
-        <p:cNvPr id="269" name="Shape 269"/>
+        <p:cNvPr id="277" name="Shape 277"/>
         <p:cNvGrpSpPr/>
         <p:nvPr/>
       </p:nvGrpSpPr>
@@ -1415,7 +1415,7 @@
       </p:grpSpPr>
       <p:sp>
         <p:nvSpPr>
-          <p:cNvPr id="270" name="Google Shape;270;g103e3c9fe44_0_448:notes"/>
+          <p:cNvPr id="278" name="Google Shape;278;g103e3c9fe44_0_448:notes"/>
           <p:cNvSpPr/>
           <p:nvPr>
             <p:ph idx="2" type="sldImg"/>
@@ -1450,7 +1450,7 @@
       </p:sp>
       <p:sp>
         <p:nvSpPr>
-          <p:cNvPr id="271" name="Google Shape;271;g103e3c9fe44_0_448:notes"/>
+          <p:cNvPr id="279" name="Google Shape;279;g103e3c9fe44_0_448:notes"/>
           <p:cNvSpPr txBox="1"/>
           <p:nvPr>
             <p:ph idx="1" type="body"/>
@@ -1500,7 +1500,7 @@
   <p:cSld>
     <p:spTree>
       <p:nvGrpSpPr>
-        <p:cNvPr id="277" name="Shape 277"/>
+        <p:cNvPr id="285" name="Shape 285"/>
         <p:cNvGrpSpPr/>
         <p:nvPr/>
       </p:nvGrpSpPr>
@@ -1514,7 +1514,7 @@
       </p:grpSpPr>
       <p:sp>
         <p:nvSpPr>
-          <p:cNvPr id="278" name="Google Shape;278;g103e3c9fe44_0_470:notes"/>
+          <p:cNvPr id="286" name="Google Shape;286;g103e3c9fe44_0_470:notes"/>
           <p:cNvSpPr/>
           <p:nvPr>
             <p:ph idx="2" type="sldImg"/>
@@ -1549,7 +1549,7 @@
       </p:sp>
       <p:sp>
         <p:nvSpPr>
-          <p:cNvPr id="279" name="Google Shape;279;g103e3c9fe44_0_470:notes"/>
+          <p:cNvPr id="287" name="Google Shape;287;g103e3c9fe44_0_470:notes"/>
           <p:cNvSpPr txBox="1"/>
           <p:nvPr>
             <p:ph idx="1" type="body"/>
@@ -1599,7 +1599,7 @@
   <p:cSld>
     <p:spTree>
       <p:nvGrpSpPr>
-        <p:cNvPr id="283" name="Shape 283"/>
+        <p:cNvPr id="291" name="Shape 291"/>
         <p:cNvGrpSpPr/>
         <p:nvPr/>
       </p:nvGrpSpPr>
@@ -1613,7 +1613,7 @@
       </p:grpSpPr>
       <p:sp>
         <p:nvSpPr>
-          <p:cNvPr id="284" name="Google Shape;284;g103e3c9fe44_0_466:notes"/>
+          <p:cNvPr id="292" name="Google Shape;292;g103e3c9fe44_0_466:notes"/>
           <p:cNvSpPr/>
           <p:nvPr>
             <p:ph idx="2" type="sldImg"/>
@@ -1648,7 +1648,7 @@
       </p:sp>
       <p:sp>
         <p:nvSpPr>
-          <p:cNvPr id="285" name="Google Shape;285;g103e3c9fe44_0_466:notes"/>
+          <p:cNvPr id="293" name="Google Shape;293;g103e3c9fe44_0_466:notes"/>
           <p:cNvSpPr txBox="1"/>
           <p:nvPr>
             <p:ph idx="1" type="body"/>
@@ -9602,7 +9602,7 @@
         </p:nvSpPr>
         <p:spPr>
           <a:xfrm>
-            <a:off x="2373600" y="1836013"/>
+            <a:off x="2415338" y="1776913"/>
             <a:ext cx="1831538" cy="1360650"/>
           </a:xfrm>
           <a:prstGeom prst="flowChartPredefinedProcess">
@@ -11310,8 +11310,8 @@
         </p:nvSpPr>
         <p:spPr>
           <a:xfrm>
-            <a:off x="2562175" y="3394762"/>
-            <a:ext cx="1454400" cy="554100"/>
+            <a:off x="2411475" y="3364625"/>
+            <a:ext cx="1831500" cy="923400"/>
           </a:xfrm>
           <a:prstGeom prst="rect">
             <a:avLst/>
@@ -11342,7 +11342,7 @@
                   <a:schemeClr val="dk1"/>
                 </a:solidFill>
               </a:rPr>
-              <a:t>ADD NAMES OF TECHNIQUES</a:t>
+              <a:t>Gray Level Co-Occurrence Matrix + Local Binary Pattern + Wavelet transform</a:t>
             </a:r>
             <a:endParaRPr sz="1200">
               <a:solidFill>
@@ -11955,7 +11955,7 @@
         </p:nvSpPr>
         <p:spPr>
           <a:xfrm>
-            <a:off x="311700" y="445025"/>
+            <a:off x="243975" y="144975"/>
             <a:ext cx="8520600" cy="572700"/>
           </a:xfrm>
           <a:prstGeom prst="rect">
@@ -11968,6 +11968,56 @@
           </a:bodyPr>
           <a:lstStyle/>
           <a:p>
+            <a:pPr indent="0" lvl="0" marL="0" rtl="0" algn="ctr">
+              <a:spcBef>
+                <a:spcPts val="0"/>
+              </a:spcBef>
+              <a:spcAft>
+                <a:spcPts val="0"/>
+              </a:spcAft>
+              <a:buNone/>
+            </a:pPr>
+            <a:r>
+              <a:rPr lang="en-GB"/>
+              <a:t>MANUAL FEATURE EXTRACTION TECHNIQUES</a:t>
+            </a:r>
+            <a:endParaRPr/>
+          </a:p>
+        </p:txBody>
+      </p:sp>
+      <p:sp>
+        <p:nvSpPr>
+          <p:cNvPr id="262" name="Google Shape;262;p26"/>
+          <p:cNvSpPr/>
+          <p:nvPr/>
+        </p:nvSpPr>
+        <p:spPr>
+          <a:xfrm>
+            <a:off x="125" y="781975"/>
+            <a:ext cx="9144000" cy="4361400"/>
+          </a:xfrm>
+          <a:prstGeom prst="rect">
+            <a:avLst/>
+          </a:prstGeom>
+          <a:solidFill>
+            <a:schemeClr val="dk1"/>
+          </a:solidFill>
+          <a:ln cap="flat" cmpd="sng" w="9525">
+            <a:solidFill>
+              <a:schemeClr val="dk2"/>
+            </a:solidFill>
+            <a:prstDash val="solid"/>
+            <a:round/>
+            <a:headEnd len="sm" w="sm" type="none"/>
+            <a:tailEnd len="sm" w="sm" type="none"/>
+          </a:ln>
+        </p:spPr>
+        <p:txBody>
+          <a:bodyPr anchorCtr="0" anchor="ctr" bIns="91425" lIns="91425" spcFirstLastPara="1" rIns="91425" wrap="square" tIns="91425">
+            <a:noAutofit/>
+          </a:bodyPr>
+          <a:lstStyle/>
+          <a:p>
             <a:pPr indent="0" lvl="0" marL="0" rtl="0" algn="l">
               <a:spcBef>
                 <a:spcPts val="0"/>
@@ -11978,52 +12028,282 @@
               <a:buNone/>
             </a:pPr>
             <a:r>
-              <a:rPr lang="en-GB"/>
-              <a:t>ADD SLIDES FOR MANUAL FEATURE EXTRACTION</a:t>
+              <a:t/>
             </a:r>
             <a:endParaRPr/>
           </a:p>
         </p:txBody>
       </p:sp>
-      <p:sp>
-        <p:nvSpPr>
-          <p:cNvPr id="262" name="Google Shape;262;p26"/>
+      <p:pic>
+        <p:nvPicPr>
+          <p:cNvPr id="263" name="Google Shape;263;p26"/>
+          <p:cNvPicPr preferRelativeResize="0"/>
+          <p:nvPr/>
+        </p:nvPicPr>
+        <p:blipFill>
+          <a:blip r:embed="rId3">
+            <a:alphaModFix/>
+          </a:blip>
+          <a:stretch>
+            <a:fillRect/>
+          </a:stretch>
+        </p:blipFill>
+        <p:spPr>
+          <a:xfrm>
+            <a:off x="243975" y="1059500"/>
+            <a:ext cx="3969550" cy="1902625"/>
+          </a:xfrm>
+          <a:prstGeom prst="rect">
+            <a:avLst/>
+          </a:prstGeom>
+          <a:noFill/>
+          <a:ln>
+            <a:noFill/>
+          </a:ln>
+        </p:spPr>
+      </p:pic>
+      <p:pic>
+        <p:nvPicPr>
+          <p:cNvPr id="264" name="Google Shape;264;p26"/>
+          <p:cNvPicPr preferRelativeResize="0"/>
+          <p:nvPr/>
+        </p:nvPicPr>
+        <p:blipFill rotWithShape="1">
+          <a:blip r:embed="rId4">
+            <a:alphaModFix/>
+          </a:blip>
+          <a:srcRect b="55895" l="46438" r="0" t="10549"/>
+          <a:stretch/>
+        </p:blipFill>
+        <p:spPr>
+          <a:xfrm>
+            <a:off x="2076300" y="3351550"/>
+            <a:ext cx="2252650" cy="1744350"/>
+          </a:xfrm>
+          <a:prstGeom prst="rect">
+            <a:avLst/>
+          </a:prstGeom>
+          <a:noFill/>
+          <a:ln>
+            <a:noFill/>
+          </a:ln>
+        </p:spPr>
+      </p:pic>
+      <p:sp>
+        <p:nvSpPr>
+          <p:cNvPr id="265" name="Google Shape;265;p26"/>
           <p:cNvSpPr txBox="1"/>
-          <p:nvPr>
-            <p:ph idx="1" type="body"/>
-          </p:nvPr>
-        </p:nvSpPr>
-        <p:spPr>
-          <a:xfrm>
-            <a:off x="311700" y="1152475"/>
-            <a:ext cx="8520600" cy="3416400"/>
+          <p:nvPr/>
+        </p:nvSpPr>
+        <p:spPr>
+          <a:xfrm>
+            <a:off x="1050125" y="797425"/>
+            <a:ext cx="2700300" cy="354000"/>
           </a:xfrm>
           <a:prstGeom prst="rect">
             <a:avLst/>
           </a:prstGeom>
+          <a:noFill/>
+          <a:ln>
+            <a:noFill/>
+          </a:ln>
         </p:spPr>
         <p:txBody>
           <a:bodyPr anchorCtr="0" anchor="t" bIns="91425" lIns="91425" spcFirstLastPara="1" rIns="91425" wrap="square" tIns="91425">
-            <a:normAutofit/>
+            <a:spAutoFit/>
           </a:bodyPr>
           <a:lstStyle/>
           <a:p>
-            <a:pPr indent="0" lvl="0" marL="0" rtl="0" algn="l">
-              <a:spcBef>
-                <a:spcPts val="0"/>
-              </a:spcBef>
-              <a:spcAft>
-                <a:spcPts val="1200"/>
-              </a:spcAft>
-              <a:buNone/>
-            </a:pPr>
-            <a:r>
-              <a:t/>
-            </a:r>
-            <a:endParaRPr/>
-          </a:p>
-        </p:txBody>
-      </p:sp>
+            <a:pPr indent="0" lvl="0" marL="0" rtl="0" algn="ctr">
+              <a:spcBef>
+                <a:spcPts val="0"/>
+              </a:spcBef>
+              <a:spcAft>
+                <a:spcPts val="0"/>
+              </a:spcAft>
+              <a:buNone/>
+            </a:pPr>
+            <a:r>
+              <a:rPr b="1" lang="en-GB" sz="1100"/>
+              <a:t>Local Binary Pattern</a:t>
+            </a:r>
+            <a:endParaRPr b="1" sz="1100"/>
+          </a:p>
+        </p:txBody>
+      </p:sp>
+      <p:sp>
+        <p:nvSpPr>
+          <p:cNvPr id="266" name="Google Shape;266;p26"/>
+          <p:cNvSpPr txBox="1"/>
+          <p:nvPr/>
+        </p:nvSpPr>
+        <p:spPr>
+          <a:xfrm>
+            <a:off x="5638775" y="781975"/>
+            <a:ext cx="2700300" cy="354000"/>
+          </a:xfrm>
+          <a:prstGeom prst="rect">
+            <a:avLst/>
+          </a:prstGeom>
+          <a:noFill/>
+          <a:ln>
+            <a:noFill/>
+          </a:ln>
+        </p:spPr>
+        <p:txBody>
+          <a:bodyPr anchorCtr="0" anchor="t" bIns="91425" lIns="91425" spcFirstLastPara="1" rIns="91425" wrap="square" tIns="91425">
+            <a:spAutoFit/>
+          </a:bodyPr>
+          <a:lstStyle/>
+          <a:p>
+            <a:pPr indent="0" lvl="0" marL="0" rtl="0" algn="ctr">
+              <a:spcBef>
+                <a:spcPts val="0"/>
+              </a:spcBef>
+              <a:spcAft>
+                <a:spcPts val="0"/>
+              </a:spcAft>
+              <a:buNone/>
+            </a:pPr>
+            <a:r>
+              <a:rPr b="1" lang="en-GB" sz="1100"/>
+              <a:t>Wavelet Transform</a:t>
+            </a:r>
+            <a:endParaRPr b="1" sz="1100"/>
+          </a:p>
+        </p:txBody>
+      </p:sp>
+      <p:pic>
+        <p:nvPicPr>
+          <p:cNvPr id="267" name="Google Shape;267;p26"/>
+          <p:cNvPicPr preferRelativeResize="0"/>
+          <p:nvPr/>
+        </p:nvPicPr>
+        <p:blipFill rotWithShape="1">
+          <a:blip r:embed="rId5">
+            <a:alphaModFix/>
+          </a:blip>
+          <a:srcRect b="6828" l="61667" r="17264" t="8238"/>
+          <a:stretch/>
+        </p:blipFill>
+        <p:spPr>
+          <a:xfrm>
+            <a:off x="7011550" y="1059500"/>
+            <a:ext cx="1926451" cy="4019826"/>
+          </a:xfrm>
+          <a:prstGeom prst="rect">
+            <a:avLst/>
+          </a:prstGeom>
+          <a:noFill/>
+          <a:ln>
+            <a:noFill/>
+          </a:ln>
+        </p:spPr>
+      </p:pic>
+      <p:pic>
+        <p:nvPicPr>
+          <p:cNvPr id="268" name="Google Shape;268;p26"/>
+          <p:cNvPicPr preferRelativeResize="0"/>
+          <p:nvPr/>
+        </p:nvPicPr>
+        <p:blipFill rotWithShape="1">
+          <a:blip r:embed="rId5">
+            <a:alphaModFix/>
+          </a:blip>
+          <a:srcRect b="6879" l="19309" r="60652" t="8187"/>
+          <a:stretch/>
+        </p:blipFill>
+        <p:spPr>
+          <a:xfrm>
+            <a:off x="5047050" y="1059500"/>
+            <a:ext cx="1832323" cy="4019826"/>
+          </a:xfrm>
+          <a:prstGeom prst="rect">
+            <a:avLst/>
+          </a:prstGeom>
+          <a:noFill/>
+          <a:ln>
+            <a:noFill/>
+          </a:ln>
+        </p:spPr>
+      </p:pic>
+      <p:sp>
+        <p:nvSpPr>
+          <p:cNvPr id="269" name="Google Shape;269;p26"/>
+          <p:cNvSpPr txBox="1"/>
+          <p:nvPr/>
+        </p:nvSpPr>
+        <p:spPr>
+          <a:xfrm>
+            <a:off x="1107200" y="3057075"/>
+            <a:ext cx="2700300" cy="354000"/>
+          </a:xfrm>
+          <a:prstGeom prst="rect">
+            <a:avLst/>
+          </a:prstGeom>
+          <a:noFill/>
+          <a:ln>
+            <a:noFill/>
+          </a:ln>
+        </p:spPr>
+        <p:txBody>
+          <a:bodyPr anchorCtr="0" anchor="t" bIns="91425" lIns="91425" spcFirstLastPara="1" rIns="91425" wrap="square" tIns="91425">
+            <a:spAutoFit/>
+          </a:bodyPr>
+          <a:lstStyle/>
+          <a:p>
+            <a:pPr indent="0" lvl="0" marL="0" rtl="0" algn="ctr">
+              <a:spcBef>
+                <a:spcPts val="0"/>
+              </a:spcBef>
+              <a:spcAft>
+                <a:spcPts val="0"/>
+              </a:spcAft>
+              <a:buNone/>
+            </a:pPr>
+            <a:r>
+              <a:rPr b="1" lang="en-GB" sz="1100"/>
+              <a:t>Gray Level Co-</a:t>
+            </a:r>
+            <a:r>
+              <a:rPr b="1" lang="en-GB" sz="1100"/>
+              <a:t>Occurrence</a:t>
+            </a:r>
+            <a:r>
+              <a:rPr b="1" lang="en-GB" sz="1100"/>
+              <a:t> Matrix</a:t>
+            </a:r>
+            <a:endParaRPr b="1" sz="1100"/>
+          </a:p>
+        </p:txBody>
+      </p:sp>
+      <p:pic>
+        <p:nvPicPr>
+          <p:cNvPr id="270" name="Google Shape;270;p26"/>
+          <p:cNvPicPr preferRelativeResize="0"/>
+          <p:nvPr/>
+        </p:nvPicPr>
+        <p:blipFill rotWithShape="1">
+          <a:blip r:embed="rId4">
+            <a:alphaModFix/>
+          </a:blip>
+          <a:srcRect b="55895" l="5614" r="57129" t="10549"/>
+          <a:stretch/>
+        </p:blipFill>
+        <p:spPr>
+          <a:xfrm>
+            <a:off x="243975" y="3351550"/>
+            <a:ext cx="1832325" cy="1791950"/>
+          </a:xfrm>
+          <a:prstGeom prst="rect">
+            <a:avLst/>
+          </a:prstGeom>
+          <a:noFill/>
+          <a:ln>
+            <a:noFill/>
+          </a:ln>
+        </p:spPr>
+      </p:pic>
     </p:spTree>
   </p:cSld>
   <p:clrMapOvr>
@@ -12037,7 +12317,7 @@
   <p:cSld>
     <p:spTree>
       <p:nvGrpSpPr>
-        <p:cNvPr id="266" name="Shape 266"/>
+        <p:cNvPr id="274" name="Shape 274"/>
         <p:cNvGrpSpPr/>
         <p:nvPr/>
       </p:nvGrpSpPr>
@@ -12051,7 +12331,7 @@
       </p:grpSpPr>
       <p:pic>
         <p:nvPicPr>
-          <p:cNvPr id="267" name="Google Shape;267;p27"/>
+          <p:cNvPr id="275" name="Google Shape;275;p27"/>
           <p:cNvPicPr preferRelativeResize="0"/>
           <p:nvPr/>
         </p:nvPicPr>
@@ -12079,7 +12359,7 @@
       </p:pic>
       <p:sp>
         <p:nvSpPr>
-          <p:cNvPr id="268" name="Google Shape;268;p27"/>
+          <p:cNvPr id="276" name="Google Shape;276;p27"/>
           <p:cNvSpPr txBox="1"/>
           <p:nvPr/>
         </p:nvSpPr>
@@ -12196,176 +12476,6 @@
 </file>
 
 <file path=ppt/slides/slide16.xml><?xml version="1.0" encoding="utf-8"?>
-<p:sld xmlns:a="http://schemas.openxmlformats.org/drawingml/2006/main" xmlns:r="http://schemas.openxmlformats.org/officeDocument/2006/relationships" xmlns:mc="http://schemas.openxmlformats.org/markup-compatibility/2006" xmlns:mv="urn:schemas-microsoft-com:mac:vml" xmlns:p="http://schemas.openxmlformats.org/presentationml/2006/main" xmlns:c="http://schemas.openxmlformats.org/drawingml/2006/chart" xmlns:dgm="http://schemas.openxmlformats.org/drawingml/2006/diagram" xmlns:o="urn:schemas-microsoft-com:office:office" xmlns:v="urn:schemas-microsoft-com:vml" xmlns:pvml="urn:schemas-microsoft-com:office:powerpoint" xmlns:com="http://schemas.openxmlformats.org/drawingml/2006/compatibility" xmlns:p14="http://schemas.microsoft.com/office/powerpoint/2010/main" xmlns:p15="http://schemas.microsoft.com/office/powerpoint/2012/main" xmlns:ahyp="http://schemas.microsoft.com/office/drawing/2018/hyperlinkcolor">
-  <p:cSld>
-    <p:spTree>
-      <p:nvGrpSpPr>
-        <p:cNvPr id="272" name="Shape 272"/>
-        <p:cNvGrpSpPr/>
-        <p:nvPr/>
-      </p:nvGrpSpPr>
-      <p:grpSpPr>
-        <a:xfrm>
-          <a:off x="0" y="0"/>
-          <a:ext cx="0" cy="0"/>
-          <a:chOff x="0" y="0"/>
-          <a:chExt cx="0" cy="0"/>
-        </a:xfrm>
-      </p:grpSpPr>
-      <p:sp>
-        <p:nvSpPr>
-          <p:cNvPr id="273" name="Google Shape;273;p28"/>
-          <p:cNvSpPr txBox="1"/>
-          <p:nvPr>
-            <p:ph type="title"/>
-          </p:nvPr>
-        </p:nvSpPr>
-        <p:spPr>
-          <a:xfrm>
-            <a:off x="311700" y="445025"/>
-            <a:ext cx="8520600" cy="572700"/>
-          </a:xfrm>
-          <a:prstGeom prst="rect">
-            <a:avLst/>
-          </a:prstGeom>
-        </p:spPr>
-        <p:txBody>
-          <a:bodyPr anchorCtr="0" anchor="t" bIns="91425" lIns="91425" spcFirstLastPara="1" rIns="91425" wrap="square" tIns="91425">
-            <a:normAutofit fontScale="90000"/>
-          </a:bodyPr>
-          <a:lstStyle/>
-          <a:p>
-            <a:pPr indent="0" lvl="0" marL="0" rtl="0" algn="l">
-              <a:spcBef>
-                <a:spcPts val="0"/>
-              </a:spcBef>
-              <a:spcAft>
-                <a:spcPts val="0"/>
-              </a:spcAft>
-              <a:buNone/>
-            </a:pPr>
-            <a:r>
-              <a:rPr lang="en-GB"/>
-              <a:t>Best Performing Model Results: ResNet-152</a:t>
-            </a:r>
-            <a:endParaRPr/>
-          </a:p>
-        </p:txBody>
-      </p:sp>
-      <p:sp>
-        <p:nvSpPr>
-          <p:cNvPr id="274" name="Google Shape;274;p28"/>
-          <p:cNvSpPr/>
-          <p:nvPr/>
-        </p:nvSpPr>
-        <p:spPr>
-          <a:xfrm>
-            <a:off x="183450" y="1051275"/>
-            <a:ext cx="8862000" cy="3440400"/>
-          </a:xfrm>
-          <a:prstGeom prst="rect">
-            <a:avLst/>
-          </a:prstGeom>
-          <a:solidFill>
-            <a:schemeClr val="dk1"/>
-          </a:solidFill>
-          <a:ln cap="flat" cmpd="sng" w="9525">
-            <a:solidFill>
-              <a:schemeClr val="dk2"/>
-            </a:solidFill>
-            <a:prstDash val="solid"/>
-            <a:round/>
-            <a:headEnd len="sm" w="sm" type="none"/>
-            <a:tailEnd len="sm" w="sm" type="none"/>
-          </a:ln>
-        </p:spPr>
-        <p:txBody>
-          <a:bodyPr anchorCtr="0" anchor="ctr" bIns="91425" lIns="91425" spcFirstLastPara="1" rIns="91425" wrap="square" tIns="91425">
-            <a:noAutofit/>
-          </a:bodyPr>
-          <a:lstStyle/>
-          <a:p>
-            <a:pPr indent="0" lvl="0" marL="0" rtl="0" algn="l">
-              <a:spcBef>
-                <a:spcPts val="0"/>
-              </a:spcBef>
-              <a:spcAft>
-                <a:spcPts val="0"/>
-              </a:spcAft>
-              <a:buNone/>
-            </a:pPr>
-            <a:r>
-              <a:t/>
-            </a:r>
-            <a:endParaRPr/>
-          </a:p>
-        </p:txBody>
-      </p:sp>
-      <p:pic>
-        <p:nvPicPr>
-          <p:cNvPr id="275" name="Google Shape;275;p28"/>
-          <p:cNvPicPr preferRelativeResize="0"/>
-          <p:nvPr/>
-        </p:nvPicPr>
-        <p:blipFill>
-          <a:blip r:embed="rId3">
-            <a:alphaModFix/>
-          </a:blip>
-          <a:stretch>
-            <a:fillRect/>
-          </a:stretch>
-        </p:blipFill>
-        <p:spPr>
-          <a:xfrm>
-            <a:off x="4664640" y="1087412"/>
-            <a:ext cx="4267885" cy="3260175"/>
-          </a:xfrm>
-          <a:prstGeom prst="rect">
-            <a:avLst/>
-          </a:prstGeom>
-          <a:noFill/>
-          <a:ln>
-            <a:noFill/>
-          </a:ln>
-        </p:spPr>
-      </p:pic>
-      <p:pic>
-        <p:nvPicPr>
-          <p:cNvPr id="276" name="Google Shape;276;p28"/>
-          <p:cNvPicPr preferRelativeResize="0"/>
-          <p:nvPr/>
-        </p:nvPicPr>
-        <p:blipFill>
-          <a:blip r:embed="rId4">
-            <a:alphaModFix/>
-          </a:blip>
-          <a:stretch>
-            <a:fillRect/>
-          </a:stretch>
-        </p:blipFill>
-        <p:spPr>
-          <a:xfrm>
-            <a:off x="272575" y="1075375"/>
-            <a:ext cx="4299424" cy="3284245"/>
-          </a:xfrm>
-          <a:prstGeom prst="rect">
-            <a:avLst/>
-          </a:prstGeom>
-          <a:noFill/>
-          <a:ln>
-            <a:noFill/>
-          </a:ln>
-        </p:spPr>
-      </p:pic>
-    </p:spTree>
-  </p:cSld>
-  <p:clrMapOvr>
-    <a:masterClrMapping/>
-  </p:clrMapOvr>
-</p:sld>
-</file>
-
-<file path=ppt/slides/slide17.xml><?xml version="1.0" encoding="utf-8"?>
 <p:sld xmlns:a="http://schemas.openxmlformats.org/drawingml/2006/main" xmlns:r="http://schemas.openxmlformats.org/officeDocument/2006/relationships" xmlns:mc="http://schemas.openxmlformats.org/markup-compatibility/2006" xmlns:mv="urn:schemas-microsoft-com:mac:vml" xmlns:p="http://schemas.openxmlformats.org/presentationml/2006/main" xmlns:c="http://schemas.openxmlformats.org/drawingml/2006/chart" xmlns:dgm="http://schemas.openxmlformats.org/drawingml/2006/diagram" xmlns:o="urn:schemas-microsoft-com:office:office" xmlns:v="urn:schemas-microsoft-com:vml" xmlns:pvml="urn:schemas-microsoft-com:office:powerpoint" xmlns:com="http://schemas.openxmlformats.org/drawingml/2006/compatibility" xmlns:p14="http://schemas.microsoft.com/office/powerpoint/2010/main" xmlns:p15="http://schemas.microsoft.com/office/powerpoint/2012/main" xmlns:ahyp="http://schemas.microsoft.com/office/drawing/2018/hyperlinkcolor">
   <p:cSld>
     <p:spTree>
@@ -12384,7 +12494,7 @@
       </p:grpSpPr>
       <p:sp>
         <p:nvSpPr>
-          <p:cNvPr id="281" name="Google Shape;281;p29"/>
+          <p:cNvPr id="281" name="Google Shape;281;p28"/>
           <p:cNvSpPr txBox="1"/>
           <p:nvPr>
             <p:ph type="title"/>
@@ -12416,6 +12526,176 @@
             </a:pPr>
             <a:r>
               <a:rPr lang="en-GB"/>
+              <a:t>Best Performing Model Results: ResNet-152</a:t>
+            </a:r>
+            <a:endParaRPr/>
+          </a:p>
+        </p:txBody>
+      </p:sp>
+      <p:sp>
+        <p:nvSpPr>
+          <p:cNvPr id="282" name="Google Shape;282;p28"/>
+          <p:cNvSpPr/>
+          <p:nvPr/>
+        </p:nvSpPr>
+        <p:spPr>
+          <a:xfrm>
+            <a:off x="183450" y="1051275"/>
+            <a:ext cx="8862000" cy="3440400"/>
+          </a:xfrm>
+          <a:prstGeom prst="rect">
+            <a:avLst/>
+          </a:prstGeom>
+          <a:solidFill>
+            <a:schemeClr val="dk1"/>
+          </a:solidFill>
+          <a:ln cap="flat" cmpd="sng" w="9525">
+            <a:solidFill>
+              <a:schemeClr val="dk2"/>
+            </a:solidFill>
+            <a:prstDash val="solid"/>
+            <a:round/>
+            <a:headEnd len="sm" w="sm" type="none"/>
+            <a:tailEnd len="sm" w="sm" type="none"/>
+          </a:ln>
+        </p:spPr>
+        <p:txBody>
+          <a:bodyPr anchorCtr="0" anchor="ctr" bIns="91425" lIns="91425" spcFirstLastPara="1" rIns="91425" wrap="square" tIns="91425">
+            <a:noAutofit/>
+          </a:bodyPr>
+          <a:lstStyle/>
+          <a:p>
+            <a:pPr indent="0" lvl="0" marL="0" rtl="0" algn="l">
+              <a:spcBef>
+                <a:spcPts val="0"/>
+              </a:spcBef>
+              <a:spcAft>
+                <a:spcPts val="0"/>
+              </a:spcAft>
+              <a:buNone/>
+            </a:pPr>
+            <a:r>
+              <a:t/>
+            </a:r>
+            <a:endParaRPr/>
+          </a:p>
+        </p:txBody>
+      </p:sp>
+      <p:pic>
+        <p:nvPicPr>
+          <p:cNvPr id="283" name="Google Shape;283;p28"/>
+          <p:cNvPicPr preferRelativeResize="0"/>
+          <p:nvPr/>
+        </p:nvPicPr>
+        <p:blipFill>
+          <a:blip r:embed="rId3">
+            <a:alphaModFix/>
+          </a:blip>
+          <a:stretch>
+            <a:fillRect/>
+          </a:stretch>
+        </p:blipFill>
+        <p:spPr>
+          <a:xfrm>
+            <a:off x="4664640" y="1087412"/>
+            <a:ext cx="4267885" cy="3260175"/>
+          </a:xfrm>
+          <a:prstGeom prst="rect">
+            <a:avLst/>
+          </a:prstGeom>
+          <a:noFill/>
+          <a:ln>
+            <a:noFill/>
+          </a:ln>
+        </p:spPr>
+      </p:pic>
+      <p:pic>
+        <p:nvPicPr>
+          <p:cNvPr id="284" name="Google Shape;284;p28"/>
+          <p:cNvPicPr preferRelativeResize="0"/>
+          <p:nvPr/>
+        </p:nvPicPr>
+        <p:blipFill>
+          <a:blip r:embed="rId4">
+            <a:alphaModFix/>
+          </a:blip>
+          <a:stretch>
+            <a:fillRect/>
+          </a:stretch>
+        </p:blipFill>
+        <p:spPr>
+          <a:xfrm>
+            <a:off x="272575" y="1075375"/>
+            <a:ext cx="4299424" cy="3284245"/>
+          </a:xfrm>
+          <a:prstGeom prst="rect">
+            <a:avLst/>
+          </a:prstGeom>
+          <a:noFill/>
+          <a:ln>
+            <a:noFill/>
+          </a:ln>
+        </p:spPr>
+      </p:pic>
+    </p:spTree>
+  </p:cSld>
+  <p:clrMapOvr>
+    <a:masterClrMapping/>
+  </p:clrMapOvr>
+</p:sld>
+</file>
+
+<file path=ppt/slides/slide17.xml><?xml version="1.0" encoding="utf-8"?>
+<p:sld xmlns:a="http://schemas.openxmlformats.org/drawingml/2006/main" xmlns:r="http://schemas.openxmlformats.org/officeDocument/2006/relationships" xmlns:mc="http://schemas.openxmlformats.org/markup-compatibility/2006" xmlns:mv="urn:schemas-microsoft-com:mac:vml" xmlns:p="http://schemas.openxmlformats.org/presentationml/2006/main" xmlns:c="http://schemas.openxmlformats.org/drawingml/2006/chart" xmlns:dgm="http://schemas.openxmlformats.org/drawingml/2006/diagram" xmlns:o="urn:schemas-microsoft-com:office:office" xmlns:v="urn:schemas-microsoft-com:vml" xmlns:pvml="urn:schemas-microsoft-com:office:powerpoint" xmlns:com="http://schemas.openxmlformats.org/drawingml/2006/compatibility" xmlns:p14="http://schemas.microsoft.com/office/powerpoint/2010/main" xmlns:p15="http://schemas.microsoft.com/office/powerpoint/2012/main" xmlns:ahyp="http://schemas.microsoft.com/office/drawing/2018/hyperlinkcolor">
+  <p:cSld>
+    <p:spTree>
+      <p:nvGrpSpPr>
+        <p:cNvPr id="288" name="Shape 288"/>
+        <p:cNvGrpSpPr/>
+        <p:nvPr/>
+      </p:nvGrpSpPr>
+      <p:grpSpPr>
+        <a:xfrm>
+          <a:off x="0" y="0"/>
+          <a:ext cx="0" cy="0"/>
+          <a:chOff x="0" y="0"/>
+          <a:chExt cx="0" cy="0"/>
+        </a:xfrm>
+      </p:grpSpPr>
+      <p:sp>
+        <p:nvSpPr>
+          <p:cNvPr id="289" name="Google Shape;289;p29"/>
+          <p:cNvSpPr txBox="1"/>
+          <p:nvPr>
+            <p:ph type="title"/>
+          </p:nvPr>
+        </p:nvSpPr>
+        <p:spPr>
+          <a:xfrm>
+            <a:off x="311700" y="445025"/>
+            <a:ext cx="8520600" cy="572700"/>
+          </a:xfrm>
+          <a:prstGeom prst="rect">
+            <a:avLst/>
+          </a:prstGeom>
+        </p:spPr>
+        <p:txBody>
+          <a:bodyPr anchorCtr="0" anchor="t" bIns="91425" lIns="91425" spcFirstLastPara="1" rIns="91425" wrap="square" tIns="91425">
+            <a:normAutofit fontScale="90000"/>
+          </a:bodyPr>
+          <a:lstStyle/>
+          <a:p>
+            <a:pPr indent="0" lvl="0" marL="0" rtl="0" algn="l">
+              <a:spcBef>
+                <a:spcPts val="0"/>
+              </a:spcBef>
+              <a:spcAft>
+                <a:spcPts val="0"/>
+              </a:spcAft>
+              <a:buNone/>
+            </a:pPr>
+            <a:r>
+              <a:rPr lang="en-GB"/>
               <a:t>References</a:t>
             </a:r>
             <a:endParaRPr/>
@@ -12424,7 +12704,7 @@
       </p:sp>
       <p:sp>
         <p:nvSpPr>
-          <p:cNvPr id="282" name="Google Shape;282;p29"/>
+          <p:cNvPr id="290" name="Google Shape;290;p29"/>
           <p:cNvSpPr txBox="1"/>
           <p:nvPr>
             <p:ph idx="1" type="body"/>
@@ -12585,7 +12865,7 @@
   <p:cSld>
     <p:spTree>
       <p:nvGrpSpPr>
-        <p:cNvPr id="286" name="Shape 286"/>
+        <p:cNvPr id="294" name="Shape 294"/>
         <p:cNvGrpSpPr/>
         <p:nvPr/>
       </p:nvGrpSpPr>
@@ -12599,7 +12879,7 @@
       </p:grpSpPr>
       <p:sp>
         <p:nvSpPr>
-          <p:cNvPr id="287" name="Google Shape;287;p30"/>
+          <p:cNvPr id="295" name="Google Shape;295;p30"/>
           <p:cNvSpPr txBox="1"/>
           <p:nvPr>
             <p:ph idx="1" type="body"/>
@@ -12953,6 +13233,132 @@
             <a:normAutofit/>
           </a:bodyPr>
           <a:lstStyle/>
+          <a:p>
+            <a:pPr indent="0" lvl="0" marL="0" rtl="0" algn="l">
+              <a:lnSpc>
+                <a:spcPct val="115000"/>
+              </a:lnSpc>
+              <a:spcBef>
+                <a:spcPts val="0"/>
+              </a:spcBef>
+              <a:spcAft>
+                <a:spcPts val="0"/>
+              </a:spcAft>
+              <a:buNone/>
+            </a:pPr>
+            <a:r>
+              <a:rPr b="1" lang="en-GB" sz="2200">
+                <a:solidFill>
+                  <a:srgbClr val="B7B7B7"/>
+                </a:solidFill>
+              </a:rPr>
+              <a:t>Problem Statement</a:t>
+            </a:r>
+            <a:endParaRPr b="1" sz="2200">
+              <a:solidFill>
+                <a:srgbClr val="B7B7B7"/>
+              </a:solidFill>
+            </a:endParaRPr>
+          </a:p>
+          <a:p>
+            <a:pPr indent="0" lvl="0" marL="0" rtl="0" algn="l">
+              <a:lnSpc>
+                <a:spcPct val="115000"/>
+              </a:lnSpc>
+              <a:spcBef>
+                <a:spcPts val="1200"/>
+              </a:spcBef>
+              <a:spcAft>
+                <a:spcPts val="0"/>
+              </a:spcAft>
+              <a:buNone/>
+            </a:pPr>
+            <a:r>
+              <a:rPr lang="en-GB">
+                <a:solidFill>
+                  <a:srgbClr val="B7B7B7"/>
+                </a:solidFill>
+                <a:highlight>
+                  <a:schemeClr val="lt1"/>
+                </a:highlight>
+              </a:rPr>
+              <a:t>Chest X-ray exams are one of the most frequent and cost-effective medical imaging examinations available. </a:t>
+            </a:r>
+            <a:endParaRPr>
+              <a:solidFill>
+                <a:srgbClr val="B7B7B7"/>
+              </a:solidFill>
+              <a:highlight>
+                <a:schemeClr val="lt1"/>
+              </a:highlight>
+            </a:endParaRPr>
+          </a:p>
+          <a:p>
+            <a:pPr indent="0" lvl="0" marL="0" rtl="0" algn="l">
+              <a:lnSpc>
+                <a:spcPct val="115000"/>
+              </a:lnSpc>
+              <a:spcBef>
+                <a:spcPts val="1200"/>
+              </a:spcBef>
+              <a:spcAft>
+                <a:spcPts val="0"/>
+              </a:spcAft>
+              <a:buNone/>
+            </a:pPr>
+            <a:r>
+              <a:rPr lang="en-GB">
+                <a:solidFill>
+                  <a:srgbClr val="B7B7B7"/>
+                </a:solidFill>
+                <a:highlight>
+                  <a:schemeClr val="lt1"/>
+                </a:highlight>
+              </a:rPr>
+              <a:t>However, clinical diagnosis of a chest X-ray can be challenging and sometimes more difficult than diagnosis via chest CT imaging.</a:t>
+            </a:r>
+            <a:endParaRPr>
+              <a:solidFill>
+                <a:srgbClr val="B7B7B7"/>
+              </a:solidFill>
+              <a:highlight>
+                <a:schemeClr val="lt1"/>
+              </a:highlight>
+            </a:endParaRPr>
+          </a:p>
+          <a:p>
+            <a:pPr indent="0" lvl="0" marL="0" rtl="0" algn="l">
+              <a:lnSpc>
+                <a:spcPct val="115000"/>
+              </a:lnSpc>
+              <a:spcBef>
+                <a:spcPts val="1200"/>
+              </a:spcBef>
+              <a:spcAft>
+                <a:spcPts val="0"/>
+              </a:spcAft>
+              <a:buNone/>
+            </a:pPr>
+            <a:r>
+              <a:rPr lang="en-GB">
+                <a:solidFill>
+                  <a:srgbClr val="B7B7B7"/>
+                </a:solidFill>
+                <a:highlight>
+                  <a:schemeClr val="lt1"/>
+                </a:highlight>
+              </a:rPr>
+              <a:t> By using machine learning and deep learning techniques, we aim to ease the detection and classification of pneumonia and its types.</a:t>
+            </a:r>
+            <a:endParaRPr>
+              <a:solidFill>
+                <a:srgbClr val="B7B7B7"/>
+              </a:solidFill>
+              <a:highlight>
+                <a:schemeClr val="lt1"/>
+              </a:highlight>
+            </a:endParaRPr>
+          </a:p>
           <a:p>
             <a:pPr indent="0" lvl="0" marL="0" rtl="0" algn="l">
               <a:spcBef>
